--- a/translations/es/intermediate/DataWires.pptx
+++ b/translations/es/intermediate/DataWires.pptx
@@ -222,7 +222,7 @@
           <a:p>
             <a:fld id="{E354B44E-40A3-0E46-B16A-9BF1250A248B}" type="datetimeFigureOut">
               <a:rPr lang="en-US" smtClean="0"/>
-              <a:t>2/1/2017</a:t>
+              <a:t>2/5/17</a:t>
             </a:fld>
             <a:endParaRPr lang="en-US"/>
           </a:p>
@@ -288,7 +288,7 @@
           <a:p>
             <a:fld id="{ACDF1604-CF25-2840-A4A3-96CDE3604995}" type="slidenum">
               <a:rPr lang="en-US" smtClean="0"/>
-              <a:t>‹Nº›</a:t>
+              <a:t>‹#›</a:t>
             </a:fld>
             <a:endParaRPr lang="en-US"/>
           </a:p>
@@ -388,7 +388,7 @@
           <a:p>
             <a:fld id="{C86AD16C-2DB4-6642-BAD4-9ED973A087A0}" type="datetimeFigureOut">
               <a:rPr lang="en-US" smtClean="0"/>
-              <a:t>2/1/2017</a:t>
+              <a:t>2/5/17</a:t>
             </a:fld>
             <a:endParaRPr lang="en-US"/>
           </a:p>
@@ -546,7 +546,7 @@
           <a:p>
             <a:fld id="{1E5BF589-3978-3C45-966B-D7B7A71F2A02}" type="slidenum">
               <a:rPr lang="en-US" smtClean="0"/>
-              <a:t>‹Nº›</a:t>
+              <a:t>‹#›</a:t>
             </a:fld>
             <a:endParaRPr lang="en-US"/>
           </a:p>
@@ -930,7 +930,7 @@
           <a:p>
             <a:fld id="{A3DE7EAD-7273-4299-8617-D779C1AF605D}" type="datetime1">
               <a:rPr lang="en-US" smtClean="0"/>
-              <a:t>2/1/2017</a:t>
+              <a:t>2/5/17</a:t>
             </a:fld>
             <a:endParaRPr lang="en-US"/>
           </a:p>
@@ -975,7 +975,7 @@
           <a:p>
             <a:fld id="{7F5CE407-6216-4202-80E4-A30DC2F709B2}" type="slidenum">
               <a:rPr lang="en-US" smtClean="0"/>
-              <a:t>‹Nº›</a:t>
+              <a:t>‹#›</a:t>
             </a:fld>
             <a:endParaRPr lang="en-US"/>
           </a:p>
@@ -1375,7 +1375,7 @@
           <a:p>
             <a:fld id="{02443E30-CF98-40AB-85FC-7D6F46FB2295}" type="datetime1">
               <a:rPr lang="en-US" smtClean="0"/>
-              <a:t>2/1/2017</a:t>
+              <a:t>2/5/17</a:t>
             </a:fld>
             <a:endParaRPr lang="en-US"/>
           </a:p>
@@ -1420,7 +1420,7 @@
           <a:p>
             <a:fld id="{4382A7F7-08BF-4252-8141-63FB96055BBB}" type="slidenum">
               <a:rPr lang="en-US" smtClean="0"/>
-              <a:t>‹Nº›</a:t>
+              <a:t>‹#›</a:t>
             </a:fld>
             <a:endParaRPr lang="en-US"/>
           </a:p>
@@ -1634,7 +1634,7 @@
           <a:p>
             <a:fld id="{97E39118-C02E-478F-9D5D-73E5D065F218}" type="datetime1">
               <a:rPr lang="en-US" smtClean="0"/>
-              <a:t>2/1/2017</a:t>
+              <a:t>2/5/17</a:t>
             </a:fld>
             <a:endParaRPr lang="en-US"/>
           </a:p>
@@ -1679,7 +1679,7 @@
           <a:p>
             <a:fld id="{4382A7F7-08BF-4252-8141-63FB96055BBB}" type="slidenum">
               <a:rPr lang="en-US" smtClean="0"/>
-              <a:t>‹Nº›</a:t>
+              <a:t>‹#›</a:t>
             </a:fld>
             <a:endParaRPr lang="en-US"/>
           </a:p>
@@ -1807,7 +1807,7 @@
           <a:p>
             <a:fld id="{C2D3BA03-100A-42AF-9475-9776DE381481}" type="datetime1">
               <a:rPr lang="en-US" smtClean="0"/>
-              <a:t>2/1/2017</a:t>
+              <a:t>2/5/17</a:t>
             </a:fld>
             <a:endParaRPr lang="en-US"/>
           </a:p>
@@ -1852,7 +1852,7 @@
           <a:p>
             <a:fld id="{4382A7F7-08BF-4252-8141-63FB96055BBB}" type="slidenum">
               <a:rPr lang="en-US" smtClean="0"/>
-              <a:t>‹Nº›</a:t>
+              <a:t>‹#›</a:t>
             </a:fld>
             <a:endParaRPr lang="en-US"/>
           </a:p>
@@ -2153,7 +2153,7 @@
           <a:p>
             <a:fld id="{E537E3E7-D87D-43BD-9CC6-072E370A1959}" type="datetime1">
               <a:rPr lang="en-US" smtClean="0"/>
-              <a:t>2/1/2017</a:t>
+              <a:t>2/5/17</a:t>
             </a:fld>
             <a:endParaRPr lang="en-US"/>
           </a:p>
@@ -2198,7 +2198,7 @@
           <a:p>
             <a:fld id="{162F1D00-BD13-4404-86B0-79703945A0A7}" type="slidenum">
               <a:rPr lang="en-US" smtClean="0"/>
-              <a:t>‹Nº›</a:t>
+              <a:t>‹#›</a:t>
             </a:fld>
             <a:endParaRPr lang="en-US"/>
           </a:p>
@@ -2431,7 +2431,7 @@
           <a:p>
             <a:fld id="{603B4C20-ED42-42FE-A4A0-B797DA2E0B60}" type="datetime1">
               <a:rPr lang="en-US" smtClean="0"/>
-              <a:t>2/1/2017</a:t>
+              <a:t>2/5/17</a:t>
             </a:fld>
             <a:endParaRPr lang="en-US"/>
           </a:p>
@@ -2477,7 +2477,7 @@
           <a:p>
             <a:fld id="{4382A7F7-08BF-4252-8141-63FB96055BBB}" type="slidenum">
               <a:rPr lang="en-US" smtClean="0"/>
-              <a:t>‹Nº›</a:t>
+              <a:t>‹#›</a:t>
             </a:fld>
             <a:endParaRPr lang="en-US"/>
           </a:p>
@@ -2814,7 +2814,7 @@
           <a:p>
             <a:fld id="{E85445E3-1207-4586-9B73-272AEFFFE157}" type="datetime1">
               <a:rPr lang="en-US" smtClean="0"/>
-              <a:t>2/1/2017</a:t>
+              <a:t>2/5/17</a:t>
             </a:fld>
             <a:endParaRPr lang="en-US"/>
           </a:p>
@@ -2859,7 +2859,7 @@
           <a:p>
             <a:fld id="{4382A7F7-08BF-4252-8141-63FB96055BBB}" type="slidenum">
               <a:rPr lang="en-US" smtClean="0"/>
-              <a:t>‹Nº›</a:t>
+              <a:t>‹#›</a:t>
             </a:fld>
             <a:endParaRPr lang="en-US"/>
           </a:p>
@@ -2935,7 +2935,7 @@
           <a:p>
             <a:fld id="{2E9984D3-3B6B-4944-9628-01AD656A06EC}" type="datetime1">
               <a:rPr lang="en-US" smtClean="0"/>
-              <a:t>2/1/2017</a:t>
+              <a:t>2/5/17</a:t>
             </a:fld>
             <a:endParaRPr lang="en-US"/>
           </a:p>
@@ -2980,7 +2980,7 @@
           <a:p>
             <a:fld id="{4382A7F7-08BF-4252-8141-63FB96055BBB}" type="slidenum">
               <a:rPr lang="en-US" smtClean="0"/>
-              <a:t>‹Nº›</a:t>
+              <a:t>‹#›</a:t>
             </a:fld>
             <a:endParaRPr lang="en-US"/>
           </a:p>
@@ -3109,7 +3109,7 @@
           <a:p>
             <a:fld id="{17E396C8-7A9E-4396-952A-D9B8CD8B20E5}" type="datetime1">
               <a:rPr lang="en-US" smtClean="0"/>
-              <a:t>2/1/2017</a:t>
+              <a:t>2/5/17</a:t>
             </a:fld>
             <a:endParaRPr lang="en-US"/>
           </a:p>
@@ -3162,7 +3162,7 @@
           <a:p>
             <a:fld id="{4382A7F7-08BF-4252-8141-63FB96055BBB}" type="slidenum">
               <a:rPr lang="en-US" smtClean="0"/>
-              <a:t>‹Nº›</a:t>
+              <a:t>‹#›</a:t>
             </a:fld>
             <a:endParaRPr lang="en-US"/>
           </a:p>
@@ -3466,7 +3466,7 @@
           <a:p>
             <a:fld id="{810AC78C-C58D-4293-8F48-B6FF939DD0A5}" type="datetime1">
               <a:rPr lang="en-US" smtClean="0"/>
-              <a:t>2/1/2017</a:t>
+              <a:t>2/5/17</a:t>
             </a:fld>
             <a:endParaRPr lang="en-US"/>
           </a:p>
@@ -3532,7 +3532,7 @@
           <a:p>
             <a:fld id="{7F5CE407-6216-4202-80E4-A30DC2F709B2}" type="slidenum">
               <a:rPr lang="en-US" smtClean="0"/>
-              <a:t>‹Nº›</a:t>
+              <a:t>‹#›</a:t>
             </a:fld>
             <a:endParaRPr lang="en-US"/>
           </a:p>
@@ -3851,7 +3851,7 @@
           <a:p>
             <a:fld id="{8126FF01-442B-4E22-BB88-A6A75B3591A0}" type="datetime1">
               <a:rPr lang="en-US" smtClean="0"/>
-              <a:t>2/1/2017</a:t>
+              <a:t>2/5/17</a:t>
             </a:fld>
             <a:endParaRPr lang="en-US"/>
           </a:p>
@@ -3896,7 +3896,7 @@
           <a:p>
             <a:fld id="{4382A7F7-08BF-4252-8141-63FB96055BBB}" type="slidenum">
               <a:rPr lang="en-US" smtClean="0"/>
-              <a:t>‹Nº›</a:t>
+              <a:t>‹#›</a:t>
             </a:fld>
             <a:endParaRPr lang="en-US"/>
           </a:p>
@@ -4143,7 +4143,7 @@
           <a:p>
             <a:fld id="{4845D745-A5D0-46AA-AB5B-73F831CB1B75}" type="datetime1">
               <a:rPr lang="en-US" smtClean="0"/>
-              <a:t>2/1/2017</a:t>
+              <a:t>2/5/17</a:t>
             </a:fld>
             <a:endParaRPr lang="en-US" dirty="0"/>
           </a:p>
@@ -4221,7 +4221,7 @@
           <a:p>
             <a:fld id="{4382A7F7-08BF-4252-8141-63FB96055BBB}" type="slidenum">
               <a:rPr lang="en-US" smtClean="0"/>
-              <a:t>‹Nº›</a:t>
+              <a:t>‹#›</a:t>
             </a:fld>
             <a:endParaRPr lang="en-US"/>
           </a:p>
@@ -4841,36 +4841,6 @@
           </a:prstGeom>
         </p:spPr>
       </p:pic>
-      <p:pic>
-        <p:nvPicPr>
-          <p:cNvPr id="5" name="Imagen 4"/>
-          <p:cNvPicPr>
-            <a:picLocks noChangeAspect="1"/>
-          </p:cNvPicPr>
-          <p:nvPr/>
-        </p:nvPicPr>
-        <p:blipFill>
-          <a:blip r:embed="rId3">
-            <a:extLst>
-              <a:ext uri="{28A0092B-C50C-407E-A947-70E740481C1C}">
-                <a14:useLocalDpi xmlns:a14="http://schemas.microsoft.com/office/drawing/2010/main" val="0"/>
-              </a:ext>
-            </a:extLst>
-          </a:blip>
-          <a:stretch>
-            <a:fillRect/>
-          </a:stretch>
-        </p:blipFill>
-        <p:spPr>
-          <a:xfrm>
-            <a:off x="2013700" y="5570391"/>
-            <a:ext cx="5278952" cy="759654"/>
-          </a:xfrm>
-          <a:prstGeom prst="rect">
-            <a:avLst/>
-          </a:prstGeom>
-        </p:spPr>
-      </p:pic>
     </p:spTree>
     <p:extLst>
       <p:ext uri="{BB962C8B-B14F-4D97-AF65-F5344CB8AC3E}">
@@ -5832,7 +5802,6 @@
               <a:rPr lang="es-MX" dirty="0"/>
               <a:t>Traducido por David Daniel Galván Medrano</a:t>
             </a:r>
-            <a:endParaRPr lang="es-MX" dirty="0"/>
           </a:p>
         </p:txBody>
       </p:sp>
@@ -5907,7 +5876,7 @@
           <a:effectLst/>
           <a:extLst>
             <a:ext uri="{91240B29-F687-4f45-9708-019B960494DF}">
-              <a14:hiddenLine xmlns="" xmlns:a14="http://schemas.microsoft.com/office/drawing/2010/main" w="9525">
+              <a14:hiddenLine xmlns:a14="http://schemas.microsoft.com/office/drawing/2010/main" xmlns="" w="9525">
                 <a:solidFill>
                   <a:schemeClr val="tx1"/>
                 </a:solidFill>
@@ -5917,7 +5886,7 @@
               </a14:hiddenLine>
             </a:ext>
             <a:ext uri="{AF507438-7753-43e0-B8FC-AC1667EBCBE1}">
-              <a14:hiddenEffects xmlns="" xmlns:a14="http://schemas.microsoft.com/office/drawing/2010/main">
+              <a14:hiddenEffects xmlns:a14="http://schemas.microsoft.com/office/drawing/2010/main" xmlns="">
                 <a:effectLst>
                   <a:outerShdw dist="35921" dir="2700000" algn="ctr" rotWithShape="0">
                     <a:schemeClr val="bg2"/>
@@ -6270,7 +6239,7 @@
           <a:noFill/>
           <a:extLst>
             <a:ext uri="{909E8E84-426E-40dd-AFC4-6F175D3DCCD1}">
-              <a14:hiddenFill xmlns="" xmlns:a14="http://schemas.microsoft.com/office/drawing/2010/main">
+              <a14:hiddenFill xmlns:a14="http://schemas.microsoft.com/office/drawing/2010/main" xmlns="">
                 <a:solidFill>
                   <a:srgbClr val="FFFFFF"/>
                 </a:solidFill>
@@ -6831,28 +6800,28 @@
                 <a:gridCol w="1468056">
                   <a:extLst>
                     <a:ext uri="{9D8B030D-6E8A-4147-A177-3AD203B41FA5}">
-                      <a16:colId xmlns="" xmlns:a16="http://schemas.microsoft.com/office/drawing/2014/main" val="20000"/>
+                      <a16:colId xmlns:a16="http://schemas.microsoft.com/office/drawing/2014/main" xmlns="" val="20000"/>
                     </a:ext>
                   </a:extLst>
                 </a:gridCol>
                 <a:gridCol w="1029112">
                   <a:extLst>
                     <a:ext uri="{9D8B030D-6E8A-4147-A177-3AD203B41FA5}">
-                      <a16:colId xmlns="" xmlns:a16="http://schemas.microsoft.com/office/drawing/2014/main" val="20001"/>
+                      <a16:colId xmlns:a16="http://schemas.microsoft.com/office/drawing/2014/main" xmlns="" val="20001"/>
                     </a:ext>
                   </a:extLst>
                 </a:gridCol>
                 <a:gridCol w="1817944">
                   <a:extLst>
                     <a:ext uri="{9D8B030D-6E8A-4147-A177-3AD203B41FA5}">
-                      <a16:colId xmlns="" xmlns:a16="http://schemas.microsoft.com/office/drawing/2014/main" val="20002"/>
+                      <a16:colId xmlns:a16="http://schemas.microsoft.com/office/drawing/2014/main" xmlns="" val="20002"/>
                     </a:ext>
                   </a:extLst>
                 </a:gridCol>
                 <a:gridCol w="2757489">
                   <a:extLst>
                     <a:ext uri="{9D8B030D-6E8A-4147-A177-3AD203B41FA5}">
-                      <a16:colId xmlns="" xmlns:a16="http://schemas.microsoft.com/office/drawing/2014/main" val="20003"/>
+                      <a16:colId xmlns:a16="http://schemas.microsoft.com/office/drawing/2014/main" xmlns="" val="20003"/>
                     </a:ext>
                   </a:extLst>
                 </a:gridCol>
@@ -6924,7 +6893,7 @@
                 </a:tc>
                 <a:extLst>
                   <a:ext uri="{0D108BD9-81ED-4DB2-BD59-A6C34878D82A}">
-                    <a16:rowId xmlns="" xmlns:a16="http://schemas.microsoft.com/office/drawing/2014/main" val="10000"/>
+                    <a16:rowId xmlns:a16="http://schemas.microsoft.com/office/drawing/2014/main" xmlns="" val="10000"/>
                   </a:ext>
                 </a:extLst>
               </a:tr>
@@ -6979,7 +6948,7 @@
                 </a:tc>
                 <a:extLst>
                   <a:ext uri="{0D108BD9-81ED-4DB2-BD59-A6C34878D82A}">
-                    <a16:rowId xmlns="" xmlns:a16="http://schemas.microsoft.com/office/drawing/2014/main" val="10001"/>
+                    <a16:rowId xmlns:a16="http://schemas.microsoft.com/office/drawing/2014/main" xmlns="" val="10001"/>
                   </a:ext>
                 </a:extLst>
               </a:tr>
@@ -7034,7 +7003,7 @@
                 </a:tc>
                 <a:extLst>
                   <a:ext uri="{0D108BD9-81ED-4DB2-BD59-A6C34878D82A}">
-                    <a16:rowId xmlns="" xmlns:a16="http://schemas.microsoft.com/office/drawing/2014/main" val="10002"/>
+                    <a16:rowId xmlns:a16="http://schemas.microsoft.com/office/drawing/2014/main" xmlns="" val="10002"/>
                   </a:ext>
                 </a:extLst>
               </a:tr>
@@ -7089,7 +7058,7 @@
                 </a:tc>
                 <a:extLst>
                   <a:ext uri="{0D108BD9-81ED-4DB2-BD59-A6C34878D82A}">
-                    <a16:rowId xmlns="" xmlns:a16="http://schemas.microsoft.com/office/drawing/2014/main" val="10003"/>
+                    <a16:rowId xmlns:a16="http://schemas.microsoft.com/office/drawing/2014/main" xmlns="" val="10003"/>
                   </a:ext>
                 </a:extLst>
               </a:tr>
@@ -7140,7 +7109,7 @@
                 </a:tc>
                 <a:extLst>
                   <a:ext uri="{0D108BD9-81ED-4DB2-BD59-A6C34878D82A}">
-                    <a16:rowId xmlns="" xmlns:a16="http://schemas.microsoft.com/office/drawing/2014/main" val="10004"/>
+                    <a16:rowId xmlns:a16="http://schemas.microsoft.com/office/drawing/2014/main" xmlns="" val="10004"/>
                   </a:ext>
                 </a:extLst>
               </a:tr>
@@ -7201,7 +7170,7 @@
                 </a:tc>
                 <a:extLst>
                   <a:ext uri="{0D108BD9-81ED-4DB2-BD59-A6C34878D82A}">
-                    <a16:rowId xmlns="" xmlns:a16="http://schemas.microsoft.com/office/drawing/2014/main" val="10005"/>
+                    <a16:rowId xmlns:a16="http://schemas.microsoft.com/office/drawing/2014/main" xmlns="" val="10005"/>
                   </a:ext>
                 </a:extLst>
               </a:tr>
@@ -7731,21 +7700,21 @@
                 <a:gridCol w="1730999">
                   <a:extLst>
                     <a:ext uri="{9D8B030D-6E8A-4147-A177-3AD203B41FA5}">
-                      <a16:colId xmlns="" xmlns:a16="http://schemas.microsoft.com/office/drawing/2014/main" val="20000"/>
+                      <a16:colId xmlns:a16="http://schemas.microsoft.com/office/drawing/2014/main" xmlns="" val="20000"/>
                     </a:ext>
                   </a:extLst>
                 </a:gridCol>
                 <a:gridCol w="1903226">
                   <a:extLst>
                     <a:ext uri="{9D8B030D-6E8A-4147-A177-3AD203B41FA5}">
-                      <a16:colId xmlns="" xmlns:a16="http://schemas.microsoft.com/office/drawing/2014/main" val="20001"/>
+                      <a16:colId xmlns:a16="http://schemas.microsoft.com/office/drawing/2014/main" xmlns="" val="20001"/>
                     </a:ext>
                   </a:extLst>
                 </a:gridCol>
                 <a:gridCol w="4813942">
                   <a:extLst>
                     <a:ext uri="{9D8B030D-6E8A-4147-A177-3AD203B41FA5}">
-                      <a16:colId xmlns="" xmlns:a16="http://schemas.microsoft.com/office/drawing/2014/main" val="20002"/>
+                      <a16:colId xmlns:a16="http://schemas.microsoft.com/office/drawing/2014/main" xmlns="" val="20002"/>
                     </a:ext>
                   </a:extLst>
                 </a:gridCol>
@@ -7802,7 +7771,7 @@
                 </a:tc>
                 <a:extLst>
                   <a:ext uri="{0D108BD9-81ED-4DB2-BD59-A6C34878D82A}">
-                    <a16:rowId xmlns="" xmlns:a16="http://schemas.microsoft.com/office/drawing/2014/main" val="10000"/>
+                    <a16:rowId xmlns:a16="http://schemas.microsoft.com/office/drawing/2014/main" xmlns="" val="10000"/>
                   </a:ext>
                 </a:extLst>
               </a:tr>
@@ -7851,7 +7820,7 @@
                 </a:tc>
                 <a:extLst>
                   <a:ext uri="{0D108BD9-81ED-4DB2-BD59-A6C34878D82A}">
-                    <a16:rowId xmlns="" xmlns:a16="http://schemas.microsoft.com/office/drawing/2014/main" val="10001"/>
+                    <a16:rowId xmlns:a16="http://schemas.microsoft.com/office/drawing/2014/main" xmlns="" val="10001"/>
                   </a:ext>
                 </a:extLst>
               </a:tr>
@@ -7904,7 +7873,7 @@
                 </a:tc>
                 <a:extLst>
                   <a:ext uri="{0D108BD9-81ED-4DB2-BD59-A6C34878D82A}">
-                    <a16:rowId xmlns="" xmlns:a16="http://schemas.microsoft.com/office/drawing/2014/main" val="10002"/>
+                    <a16:rowId xmlns:a16="http://schemas.microsoft.com/office/drawing/2014/main" xmlns="" val="10002"/>
                   </a:ext>
                 </a:extLst>
               </a:tr>
@@ -7961,7 +7930,7 @@
                 </a:tc>
                 <a:extLst>
                   <a:ext uri="{0D108BD9-81ED-4DB2-BD59-A6C34878D82A}">
-                    <a16:rowId xmlns="" xmlns:a16="http://schemas.microsoft.com/office/drawing/2014/main" val="10003"/>
+                    <a16:rowId xmlns:a16="http://schemas.microsoft.com/office/drawing/2014/main" xmlns="" val="10003"/>
                   </a:ext>
                 </a:extLst>
               </a:tr>
@@ -8035,7 +8004,7 @@
                 </a:tc>
                 <a:extLst>
                   <a:ext uri="{0D108BD9-81ED-4DB2-BD59-A6C34878D82A}">
-                    <a16:rowId xmlns="" xmlns:a16="http://schemas.microsoft.com/office/drawing/2014/main" val="10004"/>
+                    <a16:rowId xmlns:a16="http://schemas.microsoft.com/office/drawing/2014/main" xmlns="" val="10004"/>
                   </a:ext>
                 </a:extLst>
               </a:tr>
@@ -8088,7 +8057,7 @@
                 </a:tc>
                 <a:extLst>
                   <a:ext uri="{0D108BD9-81ED-4DB2-BD59-A6C34878D82A}">
-                    <a16:rowId xmlns="" xmlns:a16="http://schemas.microsoft.com/office/drawing/2014/main" val="10005"/>
+                    <a16:rowId xmlns:a16="http://schemas.microsoft.com/office/drawing/2014/main" xmlns="" val="10005"/>
                   </a:ext>
                 </a:extLst>
               </a:tr>
@@ -8137,7 +8106,7 @@
                 </a:tc>
                 <a:extLst>
                   <a:ext uri="{0D108BD9-81ED-4DB2-BD59-A6C34878D82A}">
-                    <a16:rowId xmlns="" xmlns:a16="http://schemas.microsoft.com/office/drawing/2014/main" val="10006"/>
+                    <a16:rowId xmlns:a16="http://schemas.microsoft.com/office/drawing/2014/main" xmlns="" val="10006"/>
                   </a:ext>
                 </a:extLst>
               </a:tr>
@@ -8198,7 +8167,7 @@
                 </a:tc>
                 <a:extLst>
                   <a:ext uri="{0D108BD9-81ED-4DB2-BD59-A6C34878D82A}">
-                    <a16:rowId xmlns="" xmlns:a16="http://schemas.microsoft.com/office/drawing/2014/main" val="10007"/>
+                    <a16:rowId xmlns:a16="http://schemas.microsoft.com/office/drawing/2014/main" xmlns="" val="10007"/>
                   </a:ext>
                 </a:extLst>
               </a:tr>
@@ -8378,19 +8347,7 @@
               <a:rPr lang="es-MX" dirty="0" smtClean="0">
                 <a:sym typeface="Wingdings"/>
               </a:rPr>
-              <a:t>2. </a:t>
-            </a:r>
-            <a:r>
-              <a:rPr lang="es-MX" dirty="0" smtClean="0">
-                <a:sym typeface="Wingdings"/>
-              </a:rPr>
-              <a:t>Sostenga y arrastre el cable</a:t>
-            </a:r>
-            <a:r>
-              <a:rPr lang="es-MX" dirty="0" smtClean="0">
-                <a:sym typeface="Wingdings"/>
-              </a:rPr>
-              <a:t>.</a:t>
+              <a:t>2. Sostenga y arrastre el cable.</a:t>
             </a:r>
           </a:p>
           <a:p>
@@ -8804,11 +8761,7 @@
             </a:r>
             <a:r>
               <a:rPr lang="es-MX" dirty="0" smtClean="0"/>
-              <a:t>) para mostrar</a:t>
-            </a:r>
-            <a:r>
-              <a:rPr lang="es-MX" dirty="0" smtClean="0"/>
-              <a:t> </a:t>
+              <a:t>) para mostrar </a:t>
             </a:r>
             <a:r>
               <a:rPr lang="es-MX" dirty="0"/>
@@ -9106,11 +9059,7 @@
             <a:pPr lvl="1"/>
             <a:r>
               <a:rPr lang="es-MX" dirty="0" smtClean="0"/>
-              <a:t>Coloque un bloque sensor de color dentro de un bucle</a:t>
-            </a:r>
-            <a:r>
-              <a:rPr lang="es-MX" dirty="0" smtClean="0"/>
-              <a:t>. </a:t>
+              <a:t>Coloque un bloque sensor de color dentro de un bucle. </a:t>
             </a:r>
           </a:p>
           <a:p>
@@ -9149,11 +9098,7 @@
           <a:p>
             <a:r>
               <a:rPr lang="es-MX" b="1" dirty="0" smtClean="0"/>
-              <a:t>PASO</a:t>
-            </a:r>
-            <a:r>
-              <a:rPr lang="es-MX" b="1" dirty="0" smtClean="0"/>
-              <a:t> 3: </a:t>
+              <a:t>PASO 3: </a:t>
             </a:r>
             <a:r>
               <a:rPr lang="es-MX" dirty="0" smtClean="0"/>
@@ -9164,11 +9109,7 @@
             </a:br>
             <a:r>
               <a:rPr lang="es-MX" dirty="0" smtClean="0"/>
-              <a:t>               b</a:t>
-            </a:r>
-            <a:r>
-              <a:rPr lang="es-MX" dirty="0" smtClean="0"/>
-              <a:t>loque EV3 sea presionado</a:t>
+              <a:t>               bloque EV3 sea presionado</a:t>
             </a:r>
             <a:endParaRPr lang="es-MX" dirty="0"/>
           </a:p>
